--- a/毕业答辩.pptx
+++ b/毕业答辩.pptx
@@ -229,7 +229,7 @@
           <a:p>
             <a:fld id="{3E6E1E63-6347-BD4F-A808-7F54FA34CE72}" type="datetimeFigureOut">
               <a:rPr kumimoji="1" lang="zh-CN" altLang="en-US" smtClean="0"/>
-              <a:t>2017/6/2</a:t>
+              <a:t>2017/6/6</a:t>
             </a:fld>
             <a:endParaRPr kumimoji="1" lang="zh-CN" altLang="en-US"/>
           </a:p>
@@ -2793,7 +2793,7 @@
           <a:p>
             <a:fld id="{C764DE79-268F-4C1A-8933-263129D2AF90}" type="datetimeFigureOut">
               <a:rPr lang="en-US" dirty="0"/>
-              <a:t>6/2/2017</a:t>
+              <a:t>6/6/2017</a:t>
             </a:fld>
             <a:endParaRPr lang="en-US" dirty="0"/>
           </a:p>
@@ -3070,7 +3070,7 @@
           <a:p>
             <a:fld id="{C764DE79-268F-4C1A-8933-263129D2AF90}" type="datetimeFigureOut">
               <a:rPr lang="en-US" dirty="0"/>
-              <a:t>6/2/2017</a:t>
+              <a:t>6/6/2017</a:t>
             </a:fld>
             <a:endParaRPr lang="en-US" dirty="0"/>
           </a:p>
@@ -3327,7 +3327,7 @@
           <a:p>
             <a:fld id="{C764DE79-268F-4C1A-8933-263129D2AF90}" type="datetimeFigureOut">
               <a:rPr lang="en-US" dirty="0"/>
-              <a:t>6/2/2017</a:t>
+              <a:t>6/6/2017</a:t>
             </a:fld>
             <a:endParaRPr lang="en-US" dirty="0"/>
           </a:p>
@@ -3497,7 +3497,7 @@
           <a:p>
             <a:fld id="{C764DE79-268F-4C1A-8933-263129D2AF90}" type="datetimeFigureOut">
               <a:rPr lang="en-US" dirty="0"/>
-              <a:t>6/2/2017</a:t>
+              <a:t>6/6/2017</a:t>
             </a:fld>
             <a:endParaRPr lang="en-US" dirty="0"/>
           </a:p>
@@ -3677,7 +3677,7 @@
           <a:p>
             <a:fld id="{C764DE79-268F-4C1A-8933-263129D2AF90}" type="datetimeFigureOut">
               <a:rPr lang="en-US" dirty="0"/>
-              <a:t>6/2/2017</a:t>
+              <a:t>6/6/2017</a:t>
             </a:fld>
             <a:endParaRPr lang="en-US" dirty="0"/>
           </a:p>
@@ -10970,7 +10970,7 @@
           <a:p>
             <a:fld id="{C764DE79-268F-4C1A-8933-263129D2AF90}" type="datetimeFigureOut">
               <a:rPr lang="en-US" dirty="0"/>
-              <a:t>6/2/2017</a:t>
+              <a:t>6/6/2017</a:t>
             </a:fld>
             <a:endParaRPr lang="en-US" dirty="0"/>
           </a:p>
@@ -11140,7 +11140,7 @@
           <a:p>
             <a:fld id="{C764DE79-268F-4C1A-8933-263129D2AF90}" type="datetimeFigureOut">
               <a:rPr lang="en-US" dirty="0"/>
-              <a:t>6/2/2017</a:t>
+              <a:t>6/6/2017</a:t>
             </a:fld>
             <a:endParaRPr lang="en-US" dirty="0"/>
           </a:p>
@@ -11384,7 +11384,7 @@
           <a:p>
             <a:fld id="{C764DE79-268F-4C1A-8933-263129D2AF90}" type="datetimeFigureOut">
               <a:rPr lang="en-US" dirty="0"/>
-              <a:t>6/2/2017</a:t>
+              <a:t>6/6/2017</a:t>
             </a:fld>
             <a:endParaRPr lang="en-US" dirty="0"/>
           </a:p>
@@ -11616,7 +11616,7 @@
           <a:p>
             <a:fld id="{C764DE79-268F-4C1A-8933-263129D2AF90}" type="datetimeFigureOut">
               <a:rPr lang="en-US" dirty="0"/>
-              <a:t>6/2/2017</a:t>
+              <a:t>6/6/2017</a:t>
             </a:fld>
             <a:endParaRPr lang="en-US" dirty="0"/>
           </a:p>
@@ -11983,7 +11983,7 @@
           <a:p>
             <a:fld id="{C764DE79-268F-4C1A-8933-263129D2AF90}" type="datetimeFigureOut">
               <a:rPr lang="en-US" dirty="0"/>
-              <a:t>6/2/2017</a:t>
+              <a:t>6/6/2017</a:t>
             </a:fld>
             <a:endParaRPr lang="en-US" dirty="0"/>
           </a:p>
@@ -12101,7 +12101,7 @@
           <a:p>
             <a:fld id="{C764DE79-268F-4C1A-8933-263129D2AF90}" type="datetimeFigureOut">
               <a:rPr lang="en-US" dirty="0"/>
-              <a:t>6/2/2017</a:t>
+              <a:t>6/6/2017</a:t>
             </a:fld>
             <a:endParaRPr lang="en-US" dirty="0"/>
           </a:p>
@@ -12632,7 +12632,7 @@
           <a:p>
             <a:fld id="{C764DE79-268F-4C1A-8933-263129D2AF90}" type="datetimeFigureOut">
               <a:rPr lang="en-US" dirty="0"/>
-              <a:t>6/2/2017</a:t>
+              <a:t>6/6/2017</a:t>
             </a:fld>
             <a:endParaRPr lang="en-US" dirty="0"/>
           </a:p>
@@ -13191,11 +13191,11 @@
           <a:p>
             <a:r>
               <a:rPr kumimoji="1" lang="zh-CN" altLang="en-US" dirty="0"/>
-              <a:t>校内导师：</a:t>
-            </a:r>
-            <a:r>
-              <a:rPr lang="zh-CN" altLang="zh-CN" dirty="0"/>
-              <a:t>刘奇其</a:t>
+              <a:t>校内导师</a:t>
+            </a:r>
+            <a:r>
+              <a:rPr kumimoji="1" lang="zh-CN" altLang="en-US" dirty="0"/>
+              <a:t>：刘其奇</a:t>
             </a:r>
             <a:endParaRPr lang="en-US" altLang="zh-CN" dirty="0"/>
           </a:p>
@@ -25060,11 +25060,19 @@
           <a:p>
             <a:r>
               <a:rPr kumimoji="1" lang="zh-CN" altLang="en-US" dirty="0"/>
-              <a:t>校内导师：</a:t>
-            </a:r>
-            <a:r>
-              <a:rPr lang="zh-CN" altLang="zh-CN" dirty="0"/>
-              <a:t>刘奇其</a:t>
+              <a:t>校内导师</a:t>
+            </a:r>
+            <a:r>
+              <a:rPr kumimoji="1" lang="zh-CN" altLang="en-US"/>
+              <a:t>：</a:t>
+            </a:r>
+            <a:r>
+              <a:rPr lang="zh-CN" altLang="zh-CN" smtClean="0"/>
+              <a:t>刘其</a:t>
+            </a:r>
+            <a:r>
+              <a:rPr lang="zh-CN" altLang="en-US" smtClean="0"/>
+              <a:t>奇</a:t>
             </a:r>
             <a:endParaRPr lang="en-US" altLang="zh-CN" dirty="0"/>
           </a:p>
